--- a/NNAMDI LEONARD OGBUEFI'S PROJECT - POWERPOINT.pptx
+++ b/NNAMDI LEONARD OGBUEFI'S PROJECT - POWERPOINT.pptx
@@ -9,7 +9,10 @@
     <p:sldId id="257" r:id="rId3"/>
     <p:sldId id="258" r:id="rId4"/>
     <p:sldId id="259" r:id="rId5"/>
-    <p:sldId id="260" r:id="rId6"/>
+    <p:sldId id="261" r:id="rId6"/>
+    <p:sldId id="262" r:id="rId7"/>
+    <p:sldId id="263" r:id="rId8"/>
+    <p:sldId id="260" r:id="rId9"/>
   </p:sldIdLst>
   <p:sldSz cx="12192000" cy="6858000"/>
   <p:notesSz cx="6858000" cy="9144000"/>
@@ -108,6 +111,11 @@
       </a:defRPr>
     </a:lvl9pPr>
   </p:defaultTextStyle>
+  <p:extLst>
+    <p:ext uri="{EFAFB233-063F-42B5-8137-9DF3F51BA10A}">
+      <p15:sldGuideLst xmlns:p15="http://schemas.microsoft.com/office/powerpoint/2012/main"/>
+    </p:ext>
+  </p:extLst>
 </p:presentation>
 </file>
 
@@ -385,7 +393,7 @@
           <a:p>
             <a:fld id="{78ABE3C1-DBE1-495D-B57B-2849774B866A}" type="datetimeFigureOut">
               <a:rPr lang="en-US" dirty="0"/>
-              <a:t>06-Jul-23</a:t>
+              <a:t>07-Jul-23</a:t>
             </a:fld>
             <a:endParaRPr lang="en-US" dirty="0"/>
           </a:p>
@@ -794,7 +802,7 @@
           <a:p>
             <a:fld id="{446C117F-5CCF-4837-BE5F-2B92066CAFAF}" type="datetimeFigureOut">
               <a:rPr lang="en-US" dirty="0"/>
-              <a:t>06-Jul-23</a:t>
+              <a:t>07-Jul-23</a:t>
             </a:fld>
             <a:endParaRPr lang="en-US" dirty="0"/>
           </a:p>
@@ -1125,7 +1133,7 @@
           <a:p>
             <a:fld id="{84EB90BD-B6CE-46B7-997F-7313B992CCDC}" type="datetimeFigureOut">
               <a:rPr lang="en-US" dirty="0"/>
-              <a:t>06-Jul-23</a:t>
+              <a:t>07-Jul-23</a:t>
             </a:fld>
             <a:endParaRPr lang="en-US" dirty="0"/>
           </a:p>
@@ -1525,7 +1533,7 @@
           <a:p>
             <a:fld id="{CDB9D11F-B188-461D-B23F-39381795C052}" type="datetimeFigureOut">
               <a:rPr lang="en-US" dirty="0"/>
-              <a:t>06-Jul-23</a:t>
+              <a:t>07-Jul-23</a:t>
             </a:fld>
             <a:endParaRPr lang="en-US" dirty="0"/>
           </a:p>
@@ -2088,7 +2096,7 @@
           <a:p>
             <a:fld id="{52E6D8D9-55A2-4063-B0F3-121F44549695}" type="datetimeFigureOut">
               <a:rPr lang="en-US" dirty="0"/>
-              <a:t>06-Jul-23</a:t>
+              <a:t>07-Jul-23</a:t>
             </a:fld>
             <a:endParaRPr lang="en-US" dirty="0"/>
           </a:p>
@@ -2764,7 +2772,7 @@
           <a:p>
             <a:fld id="{D4B24536-994D-4021-A283-9F449C0DB509}" type="datetimeFigureOut">
               <a:rPr lang="en-US" dirty="0"/>
-              <a:t>06-Jul-23</a:t>
+              <a:t>07-Jul-23</a:t>
             </a:fld>
             <a:endParaRPr lang="en-US" dirty="0"/>
           </a:p>
@@ -3672,7 +3680,7 @@
           <a:p>
             <a:fld id="{3CBBBB78-C96F-47B7-AB17-D852CA960AC9}" type="datetimeFigureOut">
               <a:rPr lang="en-US" dirty="0"/>
-              <a:t>06-Jul-23</a:t>
+              <a:t>07-Jul-23</a:t>
             </a:fld>
             <a:endParaRPr lang="en-US" dirty="0"/>
           </a:p>
@@ -3980,7 +3988,7 @@
           <a:p>
             <a:fld id="{1FA3F48C-C7C6-4055-9F49-3777875E72AE}" type="datetimeFigureOut">
               <a:rPr lang="en-US" dirty="0"/>
-              <a:t>06-Jul-23</a:t>
+              <a:t>07-Jul-23</a:t>
             </a:fld>
             <a:endParaRPr lang="en-US" dirty="0"/>
           </a:p>
@@ -4239,7 +4247,7 @@
           <a:p>
             <a:fld id="{6178E61D-D431-422C-9764-11DAFE33AB63}" type="datetimeFigureOut">
               <a:rPr lang="en-US" dirty="0"/>
-              <a:t>06-Jul-23</a:t>
+              <a:t>07-Jul-23</a:t>
             </a:fld>
             <a:endParaRPr lang="en-US" dirty="0"/>
           </a:p>
@@ -4558,7 +4566,7 @@
           <a:p>
             <a:fld id="{12DE42F4-6EEF-4EF7-8ED4-2208F0F89A08}" type="datetimeFigureOut">
               <a:rPr lang="en-US" dirty="0"/>
-              <a:t>06-Jul-23</a:t>
+              <a:t>07-Jul-23</a:t>
             </a:fld>
             <a:endParaRPr lang="en-US" dirty="0"/>
           </a:p>
@@ -4942,7 +4950,7 @@
           <a:p>
             <a:fld id="{30578ACC-22D6-47C1-A373-4FD133E34F3C}" type="datetimeFigureOut">
               <a:rPr lang="en-US" dirty="0"/>
-              <a:t>06-Jul-23</a:t>
+              <a:t>07-Jul-23</a:t>
             </a:fld>
             <a:endParaRPr lang="en-US" dirty="0"/>
           </a:p>
@@ -5313,7 +5321,7 @@
           <a:p>
             <a:fld id="{4E5A6C69-6797-4E8A-BF37-F2C3751466E9}" type="datetimeFigureOut">
               <a:rPr lang="en-US" dirty="0"/>
-              <a:t>06-Jul-23</a:t>
+              <a:t>07-Jul-23</a:t>
             </a:fld>
             <a:endParaRPr lang="en-US" dirty="0"/>
           </a:p>
@@ -5814,7 +5822,7 @@
           <a:p>
             <a:fld id="{D82014A1-A632-4878-A0D3-F52BA7563730}" type="datetimeFigureOut">
               <a:rPr lang="en-US" dirty="0"/>
-              <a:t>06-Jul-23</a:t>
+              <a:t>07-Jul-23</a:t>
             </a:fld>
             <a:endParaRPr lang="en-US" dirty="0"/>
           </a:p>
@@ -6066,7 +6074,7 @@
           <a:p>
             <a:fld id="{CE99F462-093F-4566-844B-4C71F2739DA5}" type="datetimeFigureOut">
               <a:rPr lang="en-US" dirty="0"/>
-              <a:t>06-Jul-23</a:t>
+              <a:t>07-Jul-23</a:t>
             </a:fld>
             <a:endParaRPr lang="en-US" dirty="0"/>
           </a:p>
@@ -6224,7 +6232,7 @@
           <a:p>
             <a:fld id="{3D24A7AC-904D-4781-85BA-7D10C17ED021}" type="datetimeFigureOut">
               <a:rPr lang="en-US" dirty="0"/>
-              <a:t>06-Jul-23</a:t>
+              <a:t>07-Jul-23</a:t>
             </a:fld>
             <a:endParaRPr lang="en-US" dirty="0"/>
           </a:p>
@@ -6609,7 +6617,7 @@
           <a:p>
             <a:fld id="{E331444B-B92B-4E27-8C94-BB93EAF5CB18}" type="datetimeFigureOut">
               <a:rPr lang="en-US" dirty="0"/>
-              <a:t>06-Jul-23</a:t>
+              <a:t>07-Jul-23</a:t>
             </a:fld>
             <a:endParaRPr lang="en-US" dirty="0"/>
           </a:p>
@@ -7013,7 +7021,7 @@
           <a:p>
             <a:fld id="{363EFA5E-FA76-400D-B3DC-F0BA90E6D107}" type="datetimeFigureOut">
               <a:rPr lang="en-US" dirty="0"/>
-              <a:t>06-Jul-23</a:t>
+              <a:t>07-Jul-23</a:t>
             </a:fld>
             <a:endParaRPr lang="en-US" dirty="0"/>
           </a:p>
@@ -7252,7 +7260,7 @@
           <a:p>
             <a:fld id="{9D6E9DEC-419B-4CC5-A080-3B06BD5A8291}" type="datetimeFigureOut">
               <a:rPr lang="en-US" dirty="0"/>
-              <a:t>06-Jul-23</a:t>
+              <a:t>07-Jul-23</a:t>
             </a:fld>
             <a:endParaRPr lang="en-US" dirty="0"/>
           </a:p>
@@ -8145,6 +8153,387 @@
       </p:grpSpPr>
       <p:sp>
         <p:nvSpPr>
+          <p:cNvPr id="2" name="Title 1">
+            <a:extLst>
+              <a:ext uri="{FF2B5EF4-FFF2-40B4-BE49-F238E27FC236}">
+                <a16:creationId xmlns:a16="http://schemas.microsoft.com/office/drawing/2014/main" id="{A455BDAF-122C-2393-FF36-C6E1B0A0309B}"/>
+              </a:ext>
+            </a:extLst>
+          </p:cNvPr>
+          <p:cNvSpPr>
+            <a:spLocks noGrp="1"/>
+          </p:cNvSpPr>
+          <p:nvPr>
+            <p:ph type="title" idx="4294967295"/>
+          </p:nvPr>
+        </p:nvSpPr>
+        <p:spPr>
+          <a:xfrm>
+            <a:off x="0" y="51435"/>
+            <a:ext cx="9613900" cy="1081088"/>
+          </a:xfrm>
+        </p:spPr>
+        <p:txBody>
+          <a:bodyPr/>
+          <a:lstStyle/>
+          <a:p>
+            <a:pPr algn="ctr"/>
+            <a:r>
+              <a:rPr lang="en-US" dirty="0"/>
+              <a:t>INVESTORS WHO INVESTED THE MOST</a:t>
+            </a:r>
+          </a:p>
+        </p:txBody>
+      </p:sp>
+      <p:pic>
+        <p:nvPicPr>
+          <p:cNvPr id="5" name="Picture 4">
+            <a:extLst>
+              <a:ext uri="{FF2B5EF4-FFF2-40B4-BE49-F238E27FC236}">
+                <a16:creationId xmlns:a16="http://schemas.microsoft.com/office/drawing/2014/main" id="{7BAECBA7-BBAD-AAC9-ABA0-6BDE17A8934D}"/>
+              </a:ext>
+            </a:extLst>
+          </p:cNvPr>
+          <p:cNvPicPr>
+            <a:picLocks noChangeAspect="1"/>
+          </p:cNvPicPr>
+          <p:nvPr/>
+        </p:nvPicPr>
+        <p:blipFill>
+          <a:blip r:embed="rId2"/>
+          <a:stretch>
+            <a:fillRect/>
+          </a:stretch>
+        </p:blipFill>
+        <p:spPr>
+          <a:xfrm>
+            <a:off x="0" y="1016000"/>
+            <a:ext cx="12192000" cy="4511040"/>
+          </a:xfrm>
+          <a:prstGeom prst="rect">
+            <a:avLst/>
+          </a:prstGeom>
+        </p:spPr>
+      </p:pic>
+      <p:sp>
+        <p:nvSpPr>
+          <p:cNvPr id="7" name="TextBox 6">
+            <a:extLst>
+              <a:ext uri="{FF2B5EF4-FFF2-40B4-BE49-F238E27FC236}">
+                <a16:creationId xmlns:a16="http://schemas.microsoft.com/office/drawing/2014/main" id="{C30D1E9A-D16E-A2B1-4A5B-C9670DAA1566}"/>
+              </a:ext>
+            </a:extLst>
+          </p:cNvPr>
+          <p:cNvSpPr txBox="1"/>
+          <p:nvPr/>
+        </p:nvSpPr>
+        <p:spPr>
+          <a:xfrm>
+            <a:off x="60960" y="5643880"/>
+            <a:ext cx="12090400" cy="1200329"/>
+          </a:xfrm>
+          <a:prstGeom prst="rect">
+            <a:avLst/>
+          </a:prstGeom>
+          <a:noFill/>
+        </p:spPr>
+        <p:txBody>
+          <a:bodyPr wrap="square" rtlCol="0">
+            <a:spAutoFit/>
+          </a:bodyPr>
+          <a:lstStyle/>
+          <a:p>
+            <a:r>
+              <a:rPr lang="en-US" b="1" dirty="0"/>
+              <a:t>Observation:</a:t>
+            </a:r>
+          </a:p>
+          <a:p>
+            <a:r>
+              <a:rPr lang="en-US" dirty="0"/>
+              <a:t>- Tiger Global Management are the Top Spenders in the list of investments to the Unicorn Companies, at a staggering sum of USD14 Billion. They are just directly atop the most frequent investors in the list; Sequoia Capital China. </a:t>
+            </a:r>
+          </a:p>
+        </p:txBody>
+      </p:sp>
+    </p:spTree>
+    <p:extLst>
+      <p:ext uri="{BB962C8B-B14F-4D97-AF65-F5344CB8AC3E}">
+        <p14:creationId xmlns:p14="http://schemas.microsoft.com/office/powerpoint/2010/main" val="922756998"/>
+      </p:ext>
+    </p:extLst>
+  </p:cSld>
+  <p:clrMapOvr>
+    <a:masterClrMapping/>
+  </p:clrMapOvr>
+</p:sld>
+</file>
+
+<file path=ppt/slides/slide6.xml><?xml version="1.0" encoding="utf-8"?>
+<p:sld xmlns:a="http://schemas.openxmlformats.org/drawingml/2006/main" xmlns:r="http://schemas.openxmlformats.org/officeDocument/2006/relationships" xmlns:p="http://schemas.openxmlformats.org/presentationml/2006/main">
+  <p:cSld>
+    <p:spTree>
+      <p:nvGrpSpPr>
+        <p:cNvPr id="1" name=""/>
+        <p:cNvGrpSpPr/>
+        <p:nvPr/>
+      </p:nvGrpSpPr>
+      <p:grpSpPr>
+        <a:xfrm>
+          <a:off x="0" y="0"/>
+          <a:ext cx="0" cy="0"/>
+          <a:chOff x="0" y="0"/>
+          <a:chExt cx="0" cy="0"/>
+        </a:xfrm>
+      </p:grpSpPr>
+      <p:sp>
+        <p:nvSpPr>
+          <p:cNvPr id="2" name="Title 1">
+            <a:extLst>
+              <a:ext uri="{FF2B5EF4-FFF2-40B4-BE49-F238E27FC236}">
+                <a16:creationId xmlns:a16="http://schemas.microsoft.com/office/drawing/2014/main" id="{9B074626-92D5-EC6A-DDFB-766861C51412}"/>
+              </a:ext>
+            </a:extLst>
+          </p:cNvPr>
+          <p:cNvSpPr>
+            <a:spLocks noGrp="1"/>
+          </p:cNvSpPr>
+          <p:nvPr>
+            <p:ph type="title" idx="4294967295"/>
+          </p:nvPr>
+        </p:nvSpPr>
+        <p:spPr>
+          <a:xfrm>
+            <a:off x="670560" y="71755"/>
+            <a:ext cx="9613900" cy="1081088"/>
+          </a:xfrm>
+        </p:spPr>
+        <p:txBody>
+          <a:bodyPr/>
+          <a:lstStyle/>
+          <a:p>
+            <a:pPr algn="ctr"/>
+            <a:r>
+              <a:rPr lang="en-US" dirty="0"/>
+              <a:t>COMPANIES THAT RECEIVED THE MOST FUNDING AND THEIR R.O.I</a:t>
+            </a:r>
+          </a:p>
+        </p:txBody>
+      </p:sp>
+      <p:pic>
+        <p:nvPicPr>
+          <p:cNvPr id="7" name="Picture 6">
+            <a:extLst>
+              <a:ext uri="{FF2B5EF4-FFF2-40B4-BE49-F238E27FC236}">
+                <a16:creationId xmlns:a16="http://schemas.microsoft.com/office/drawing/2014/main" id="{6114D6D7-0116-BB77-E9B0-5D4CD9521EC8}"/>
+              </a:ext>
+            </a:extLst>
+          </p:cNvPr>
+          <p:cNvPicPr>
+            <a:picLocks noChangeAspect="1"/>
+          </p:cNvPicPr>
+          <p:nvPr/>
+        </p:nvPicPr>
+        <p:blipFill>
+          <a:blip r:embed="rId2"/>
+          <a:stretch>
+            <a:fillRect/>
+          </a:stretch>
+        </p:blipFill>
+        <p:spPr>
+          <a:xfrm>
+            <a:off x="394492" y="1129824"/>
+            <a:ext cx="11403016" cy="4374197"/>
+          </a:xfrm>
+          <a:prstGeom prst="rect">
+            <a:avLst/>
+          </a:prstGeom>
+        </p:spPr>
+      </p:pic>
+      <p:sp>
+        <p:nvSpPr>
+          <p:cNvPr id="8" name="TextBox 7">
+            <a:extLst>
+              <a:ext uri="{FF2B5EF4-FFF2-40B4-BE49-F238E27FC236}">
+                <a16:creationId xmlns:a16="http://schemas.microsoft.com/office/drawing/2014/main" id="{A191D7DC-4ED3-C2A3-C9CE-192C2244854F}"/>
+              </a:ext>
+            </a:extLst>
+          </p:cNvPr>
+          <p:cNvSpPr txBox="1"/>
+          <p:nvPr/>
+        </p:nvSpPr>
+        <p:spPr>
+          <a:xfrm>
+            <a:off x="0" y="5405120"/>
+            <a:ext cx="12149612" cy="1477328"/>
+          </a:xfrm>
+          <a:prstGeom prst="rect">
+            <a:avLst/>
+          </a:prstGeom>
+          <a:noFill/>
+        </p:spPr>
+        <p:txBody>
+          <a:bodyPr wrap="square" rtlCol="0">
+            <a:spAutoFit/>
+          </a:bodyPr>
+          <a:lstStyle/>
+          <a:p>
+            <a:pPr algn="just"/>
+            <a:r>
+              <a:rPr lang="en-US" b="1" dirty="0"/>
+              <a:t>Observation:</a:t>
+            </a:r>
+          </a:p>
+          <a:p>
+            <a:pPr algn="just"/>
+            <a:r>
+              <a:rPr lang="en-US" dirty="0"/>
+              <a:t>- JUUL Labs had the most funding at USD14 Billion, but only pulled off a 64% return on investment.</a:t>
+            </a:r>
+          </a:p>
+          <a:p>
+            <a:pPr algn="just"/>
+            <a:r>
+              <a:rPr lang="en-US" dirty="0"/>
+              <a:t>- </a:t>
+            </a:r>
+            <a:r>
+              <a:rPr lang="en-US" dirty="0" err="1"/>
+              <a:t>Bytedance</a:t>
+            </a:r>
+            <a:r>
+              <a:rPr lang="en-US" dirty="0"/>
+              <a:t> - makers of the popular Social Media Platform; 'Tik Tok' - on the other hand had about USD8 Billion in funding and managed to produce a whooping 95% return on investment. Making it the Company with the highest ROI on this list of most funded Companies.</a:t>
+            </a:r>
+          </a:p>
+        </p:txBody>
+      </p:sp>
+    </p:spTree>
+    <p:extLst>
+      <p:ext uri="{BB962C8B-B14F-4D97-AF65-F5344CB8AC3E}">
+        <p14:creationId xmlns:p14="http://schemas.microsoft.com/office/powerpoint/2010/main" val="3874057240"/>
+      </p:ext>
+    </p:extLst>
+  </p:cSld>
+  <p:clrMapOvr>
+    <a:masterClrMapping/>
+  </p:clrMapOvr>
+</p:sld>
+</file>
+
+<file path=ppt/slides/slide7.xml><?xml version="1.0" encoding="utf-8"?>
+<p:sld xmlns:a="http://schemas.openxmlformats.org/drawingml/2006/main" xmlns:r="http://schemas.openxmlformats.org/officeDocument/2006/relationships" xmlns:p="http://schemas.openxmlformats.org/presentationml/2006/main">
+  <p:cSld>
+    <p:spTree>
+      <p:nvGrpSpPr>
+        <p:cNvPr id="1" name=""/>
+        <p:cNvGrpSpPr/>
+        <p:nvPr/>
+      </p:nvGrpSpPr>
+      <p:grpSpPr>
+        <a:xfrm>
+          <a:off x="0" y="0"/>
+          <a:ext cx="0" cy="0"/>
+          <a:chOff x="0" y="0"/>
+          <a:chExt cx="0" cy="0"/>
+        </a:xfrm>
+      </p:grpSpPr>
+      <p:sp>
+        <p:nvSpPr>
+          <p:cNvPr id="2" name="Title 1">
+            <a:extLst>
+              <a:ext uri="{FF2B5EF4-FFF2-40B4-BE49-F238E27FC236}">
+                <a16:creationId xmlns:a16="http://schemas.microsoft.com/office/drawing/2014/main" id="{296EDEE9-2628-0067-AFF9-6E28E2686A80}"/>
+              </a:ext>
+            </a:extLst>
+          </p:cNvPr>
+          <p:cNvSpPr>
+            <a:spLocks noGrp="1"/>
+          </p:cNvSpPr>
+          <p:nvPr>
+            <p:ph type="title" idx="4294967295"/>
+          </p:nvPr>
+        </p:nvSpPr>
+        <p:spPr>
+          <a:xfrm>
+            <a:off x="772160" y="20955"/>
+            <a:ext cx="9613900" cy="1081088"/>
+          </a:xfrm>
+        </p:spPr>
+        <p:txBody>
+          <a:bodyPr/>
+          <a:lstStyle/>
+          <a:p>
+            <a:pPr algn="ctr"/>
+            <a:r>
+              <a:rPr lang="en-US" dirty="0"/>
+              <a:t>THE MOST FREQUENT INVESTOR IN UNICORN COMPANIES AND THEIR INVESTMENT</a:t>
+            </a:r>
+          </a:p>
+        </p:txBody>
+      </p:sp>
+      <p:pic>
+        <p:nvPicPr>
+          <p:cNvPr id="5" name="Picture 4">
+            <a:extLst>
+              <a:ext uri="{FF2B5EF4-FFF2-40B4-BE49-F238E27FC236}">
+                <a16:creationId xmlns:a16="http://schemas.microsoft.com/office/drawing/2014/main" id="{1449B184-0569-EAF0-3807-D775F2F10D16}"/>
+              </a:ext>
+            </a:extLst>
+          </p:cNvPr>
+          <p:cNvPicPr>
+            <a:picLocks noChangeAspect="1"/>
+          </p:cNvPicPr>
+          <p:nvPr/>
+        </p:nvPicPr>
+        <p:blipFill>
+          <a:blip r:embed="rId2"/>
+          <a:stretch>
+            <a:fillRect/>
+          </a:stretch>
+        </p:blipFill>
+        <p:spPr>
+          <a:xfrm>
+            <a:off x="91440" y="1429744"/>
+            <a:ext cx="12009120" cy="5265696"/>
+          </a:xfrm>
+          <a:prstGeom prst="rect">
+            <a:avLst/>
+          </a:prstGeom>
+        </p:spPr>
+      </p:pic>
+    </p:spTree>
+    <p:extLst>
+      <p:ext uri="{BB962C8B-B14F-4D97-AF65-F5344CB8AC3E}">
+        <p14:creationId xmlns:p14="http://schemas.microsoft.com/office/powerpoint/2010/main" val="3339822894"/>
+      </p:ext>
+    </p:extLst>
+  </p:cSld>
+  <p:clrMapOvr>
+    <a:masterClrMapping/>
+  </p:clrMapOvr>
+</p:sld>
+</file>
+
+<file path=ppt/slides/slide8.xml><?xml version="1.0" encoding="utf-8"?>
+<p:sld xmlns:a="http://schemas.openxmlformats.org/drawingml/2006/main" xmlns:r="http://schemas.openxmlformats.org/officeDocument/2006/relationships" xmlns:p="http://schemas.openxmlformats.org/presentationml/2006/main">
+  <p:cSld>
+    <p:spTree>
+      <p:nvGrpSpPr>
+        <p:cNvPr id="1" name=""/>
+        <p:cNvGrpSpPr/>
+        <p:nvPr/>
+      </p:nvGrpSpPr>
+      <p:grpSpPr>
+        <a:xfrm>
+          <a:off x="0" y="0"/>
+          <a:ext cx="0" cy="0"/>
+          <a:chOff x="0" y="0"/>
+          <a:chExt cx="0" cy="0"/>
+        </a:xfrm>
+      </p:grpSpPr>
+      <p:sp>
+        <p:nvSpPr>
           <p:cNvPr id="2" name="TextBox 1">
             <a:extLst>
               <a:ext uri="{FF2B5EF4-FFF2-40B4-BE49-F238E27FC236}">

--- a/NNAMDI LEONARD OGBUEFI'S PROJECT - POWERPOINT.pptx
+++ b/NNAMDI LEONARD OGBUEFI'S PROJECT - POWERPOINT.pptx
@@ -11,8 +11,9 @@
     <p:sldId id="259" r:id="rId5"/>
     <p:sldId id="261" r:id="rId6"/>
     <p:sldId id="262" r:id="rId7"/>
-    <p:sldId id="263" r:id="rId8"/>
-    <p:sldId id="260" r:id="rId9"/>
+    <p:sldId id="264" r:id="rId8"/>
+    <p:sldId id="263" r:id="rId9"/>
+    <p:sldId id="260" r:id="rId10"/>
   </p:sldIdLst>
   <p:sldSz cx="12192000" cy="6858000"/>
   <p:notesSz cx="6858000" cy="9144000"/>
@@ -8438,6 +8439,100 @@
           <a:chExt cx="0" cy="0"/>
         </a:xfrm>
       </p:grpSpPr>
+      <p:pic>
+        <p:nvPicPr>
+          <p:cNvPr id="3" name="Picture 2">
+            <a:extLst>
+              <a:ext uri="{FF2B5EF4-FFF2-40B4-BE49-F238E27FC236}">
+                <a16:creationId xmlns:a16="http://schemas.microsoft.com/office/drawing/2014/main" id="{458B9F1A-851B-9EF3-CCC8-26422C3E287E}"/>
+              </a:ext>
+            </a:extLst>
+          </p:cNvPr>
+          <p:cNvPicPr>
+            <a:picLocks noChangeAspect="1"/>
+          </p:cNvPicPr>
+          <p:nvPr/>
+        </p:nvPicPr>
+        <p:blipFill>
+          <a:blip r:embed="rId2"/>
+          <a:stretch>
+            <a:fillRect/>
+          </a:stretch>
+        </p:blipFill>
+        <p:spPr>
+          <a:xfrm>
+            <a:off x="0" y="1224362"/>
+            <a:ext cx="12192000" cy="5608156"/>
+          </a:xfrm>
+          <a:prstGeom prst="rect">
+            <a:avLst/>
+          </a:prstGeom>
+        </p:spPr>
+      </p:pic>
+      <p:sp>
+        <p:nvSpPr>
+          <p:cNvPr id="4" name="Title 3">
+            <a:extLst>
+              <a:ext uri="{FF2B5EF4-FFF2-40B4-BE49-F238E27FC236}">
+                <a16:creationId xmlns:a16="http://schemas.microsoft.com/office/drawing/2014/main" id="{3BB13ED7-0CBE-7C20-8E01-72EDC6A9A544}"/>
+              </a:ext>
+            </a:extLst>
+          </p:cNvPr>
+          <p:cNvSpPr>
+            <a:spLocks noGrp="1"/>
+          </p:cNvSpPr>
+          <p:nvPr>
+            <p:ph type="title" idx="4294967295"/>
+          </p:nvPr>
+        </p:nvSpPr>
+        <p:spPr>
+          <a:xfrm>
+            <a:off x="650240" y="41275"/>
+            <a:ext cx="9613900" cy="1081088"/>
+          </a:xfrm>
+        </p:spPr>
+        <p:txBody>
+          <a:bodyPr/>
+          <a:lstStyle/>
+          <a:p>
+            <a:pPr algn="ctr"/>
+            <a:r>
+              <a:rPr lang="en-US" dirty="0"/>
+              <a:t>FASTEST COMPANIES TO ATTAIN UNICORN STATUS</a:t>
+            </a:r>
+          </a:p>
+        </p:txBody>
+      </p:sp>
+    </p:spTree>
+    <p:extLst>
+      <p:ext uri="{BB962C8B-B14F-4D97-AF65-F5344CB8AC3E}">
+        <p14:creationId xmlns:p14="http://schemas.microsoft.com/office/powerpoint/2010/main" val="766545809"/>
+      </p:ext>
+    </p:extLst>
+  </p:cSld>
+  <p:clrMapOvr>
+    <a:masterClrMapping/>
+  </p:clrMapOvr>
+</p:sld>
+</file>
+
+<file path=ppt/slides/slide8.xml><?xml version="1.0" encoding="utf-8"?>
+<p:sld xmlns:a="http://schemas.openxmlformats.org/drawingml/2006/main" xmlns:r="http://schemas.openxmlformats.org/officeDocument/2006/relationships" xmlns:p="http://schemas.openxmlformats.org/presentationml/2006/main">
+  <p:cSld>
+    <p:spTree>
+      <p:nvGrpSpPr>
+        <p:cNvPr id="1" name=""/>
+        <p:cNvGrpSpPr/>
+        <p:nvPr/>
+      </p:nvGrpSpPr>
+      <p:grpSpPr>
+        <a:xfrm>
+          <a:off x="0" y="0"/>
+          <a:ext cx="0" cy="0"/>
+          <a:chOff x="0" y="0"/>
+          <a:chExt cx="0" cy="0"/>
+        </a:xfrm>
+      </p:grpSpPr>
       <p:sp>
         <p:nvSpPr>
           <p:cNvPr id="2" name="Title 1">
@@ -8457,17 +8552,19 @@
         <p:spPr>
           <a:xfrm>
             <a:off x="772160" y="20955"/>
-            <a:ext cx="9613900" cy="1081088"/>
-          </a:xfrm>
-        </p:spPr>
-        <p:txBody>
-          <a:bodyPr/>
+            <a:ext cx="9733280" cy="1081088"/>
+          </a:xfrm>
+        </p:spPr>
+        <p:txBody>
+          <a:bodyPr>
+            <a:normAutofit fontScale="90000"/>
+          </a:bodyPr>
           <a:lstStyle/>
           <a:p>
             <a:pPr algn="ctr"/>
             <a:r>
               <a:rPr lang="en-US" dirty="0"/>
-              <a:t>THE MOST FREQUENT INVESTOR IN UNICORN COMPANIES AND THEIR INVESTMENT</a:t>
+              <a:t>THE MOST FREQUENT INVESTOR IN UNICORN COMPANIES AND THEIR INVESTMENT(2 INSIGHTS IN 1)</a:t>
             </a:r>
           </a:p>
         </p:txBody>
@@ -8494,7 +8591,7 @@
         </p:blipFill>
         <p:spPr>
           <a:xfrm>
-            <a:off x="91440" y="1429744"/>
+            <a:off x="91440" y="1439904"/>
             <a:ext cx="12009120" cy="5265696"/>
           </a:xfrm>
           <a:prstGeom prst="rect">
@@ -8515,7 +8612,7 @@
 </p:sld>
 </file>
 
-<file path=ppt/slides/slide8.xml><?xml version="1.0" encoding="utf-8"?>
+<file path=ppt/slides/slide9.xml><?xml version="1.0" encoding="utf-8"?>
 <p:sld xmlns:a="http://schemas.openxmlformats.org/drawingml/2006/main" xmlns:r="http://schemas.openxmlformats.org/officeDocument/2006/relationships" xmlns:p="http://schemas.openxmlformats.org/presentationml/2006/main">
   <p:cSld>
     <p:spTree>
